--- a/automationqa-course/11.advanced/mockito/1.Mock vs stub vs spy vs dummy/Что такое mock и что такое stub.pptx
+++ b/automationqa-course/11.advanced/mockito/1.Mock vs stub vs spy vs dummy/Что такое mock и что такое stub.pptx
@@ -130,7 +130,7 @@
   </p:defaultTextStyle>
   <p:extLst>
     <p:ext uri="{EFAFB233-063F-42B5-8137-9DF3F51BA10A}">
-      <p15:sldGuideLst xmlns="" xmlns:p15="http://schemas.microsoft.com/office/powerpoint/2012/main">
+      <p15:sldGuideLst xmlns:p15="http://schemas.microsoft.com/office/powerpoint/2012/main" xmlns="">
         <p15:guide id="1" orient="horz" pos="2160" userDrawn="1">
           <p15:clr>
             <a:srgbClr val="A4A3A4"/>
@@ -229,7 +229,7 @@
           <a:p>
             <a:fld id="{CEC9B840-452B-4B18-A029-1B409955EDB4}" type="datetimeFigureOut">
               <a:rPr lang="ru-RU" smtClean="0"/>
-              <a:t>21.04.2018</a:t>
+              <a:t>22.04.2018</a:t>
             </a:fld>
             <a:endParaRPr lang="ru-RU"/>
           </a:p>
@@ -567,11 +567,7 @@
             </a:r>
             <a:r>
               <a:rPr lang="ru-RU" baseline="0" dirty="0" smtClean="0"/>
-              <a:t>мы обсудим используемую </a:t>
-            </a:r>
-            <a:r>
-              <a:rPr lang="ru-RU" baseline="0" dirty="0" smtClean="0"/>
-              <a:t>терминологию. В этой презентации я расскажу не только о </a:t>
+              <a:t>мы обсудим используемую терминологию. В этой презентации я расскажу не только о </a:t>
             </a:r>
             <a:r>
               <a:rPr lang="ru-RU" baseline="0" dirty="0" err="1" smtClean="0"/>
@@ -3390,8 +3386,21 @@
             </a:r>
             <a:r>
               <a:rPr lang="ru-RU" baseline="0" dirty="0" smtClean="0"/>
-              <a:t> реализации банковского счёта мы не проверяем – на это стоит обратить отдельное внимание. Модульные тесты должны быть изолированы! Для проверки конкретной реализации интерфейса банковского счёта нужно использовать свой отдельный модульный тест. В данном модульном тесте нас совершенно не интересует, как реализован банковский счёт. Нас интересует только описанный контракт на исполнение его методов.</a:t>
-            </a:r>
+              <a:t> реализации банковского счёта мы не проверяем – на это стоит обратить отдельное внимание. Модульные тесты должны быть изолированы! Для проверки конкретной реализации интерфейса банковского счёта нужно использовать свой отдельный модульный тест. В данном модульном тесте нас совершенно не интересует, как реализован банковский счёт. Нас интересует только описанный контракт на исполнение его методов</a:t>
+            </a:r>
+            <a:r>
+              <a:rPr lang="ru-RU" baseline="0" dirty="0" smtClean="0"/>
+              <a:t>.</a:t>
+            </a:r>
+            <a:r>
+              <a:rPr lang="en-US" baseline="0" dirty="0" smtClean="0"/>
+              <a:t> </a:t>
+            </a:r>
+            <a:r>
+              <a:rPr lang="ru-RU" baseline="0" dirty="0" smtClean="0"/>
+              <a:t>В добавок ко всему реализация этого интерфейса может быть крайне тяжёлой – например, обращаться к БД. А это в свою очередь заставит нас решать вопрос с БД в нашем модульном тесте, который ничего не должен знать о конкретной реализации другого модуля.</a:t>
+            </a:r>
+            <a:endParaRPr lang="ru-RU" baseline="0" dirty="0" smtClean="0"/>
           </a:p>
           <a:p>
             <a:r>
@@ -38134,7 +38143,7 @@
   <a:extraClrSchemeLst/>
   <a:extLst>
     <a:ext uri="{05A4C25C-085E-4340-85A3-A5531E510DB2}">
-      <thm15:themeFamily xmlns="" xmlns:thm15="http://schemas.microsoft.com/office/thememl/2012/main" name="Office Theme" id="{62F939B6-93AF-4DB8-9C6B-D6C7DFDC589F}" vid="{4A3C46E8-61CC-4603-A589-7422A47A8E4A}"/>
+      <thm15:themeFamily xmlns:thm15="http://schemas.microsoft.com/office/thememl/2012/main" xmlns="" name="Office Theme" id="{62F939B6-93AF-4DB8-9C6B-D6C7DFDC589F}" vid="{4A3C46E8-61CC-4603-A589-7422A47A8E4A}"/>
     </a:ext>
   </a:extLst>
 </a:theme>
@@ -38395,7 +38404,7 @@
   <a:extraClrSchemeLst/>
   <a:extLst>
     <a:ext uri="{05A4C25C-085E-4340-85A3-A5531E510DB2}">
-      <thm15:themeFamily xmlns="" xmlns:thm15="http://schemas.microsoft.com/office/thememl/2012/main" name="Office Theme" id="{62F939B6-93AF-4DB8-9C6B-D6C7DFDC589F}" vid="{4A3C46E8-61CC-4603-A589-7422A47A8E4A}"/>
+      <thm15:themeFamily xmlns:thm15="http://schemas.microsoft.com/office/thememl/2012/main" xmlns="" name="Office Theme" id="{62F939B6-93AF-4DB8-9C6B-D6C7DFDC589F}" vid="{4A3C46E8-61CC-4603-A589-7422A47A8E4A}"/>
     </a:ext>
   </a:extLst>
 </a:theme>
